--- a/Document/Maianvat-Van.pptx
+++ b/Document/Maianvat-Van.pptx
@@ -10668,7 +10668,7 @@
           </a:bodyPr>
           <a:lstStyle/>
           <a:p>
-            <a:pPr marL="50800" lvl="0" algn="l" rtl="0">
+            <a:pPr marL="50800" lvl="0" algn="ctr" rtl="0">
               <a:spcBef>
                 <a:spcPts val="0"/>
               </a:spcBef>
@@ -10681,10 +10681,389 @@
               <a:buSzPts val="2800"/>
             </a:pPr>
             <a:r>
-              <a:rPr lang="en-US"/>
-              <a:t>Mai Ăn Vặt</a:t>
+              <a:rPr lang="en-US" sz="3000" dirty="0"/>
+              <a:t>Mai </a:t>
             </a:r>
-            <a:endParaRPr dirty="0"/>
+            <a:r>
+              <a:rPr lang="en-US" sz="3000" dirty="0" err="1"/>
+              <a:t>Ăn</a:t>
+            </a:r>
+            <a:r>
+              <a:rPr lang="en-US" sz="3000" dirty="0"/>
+              <a:t> </a:t>
+            </a:r>
+            <a:r>
+              <a:rPr lang="en-US" sz="3000" dirty="0" err="1"/>
+              <a:t>Vặt</a:t>
+            </a:r>
+            <a:br>
+              <a:rPr lang="en-US" sz="3000" dirty="0"/>
+            </a:br>
+            <a:endParaRPr sz="3000" dirty="0"/>
+          </a:p>
+        </p:txBody>
+      </p:sp>
+      <p:sp>
+        <p:nvSpPr>
+          <p:cNvPr id="4" name="Google Shape;271;p36">
+            <a:extLst>
+              <a:ext uri="{FF2B5EF4-FFF2-40B4-BE49-F238E27FC236}">
+                <a16:creationId xmlns:a16="http://schemas.microsoft.com/office/drawing/2014/main" id="{16FF77E7-B266-497B-8A11-9569EEF6C906}"/>
+              </a:ext>
+            </a:extLst>
+          </p:cNvPr>
+          <p:cNvSpPr txBox="1">
+            <a:spLocks/>
+          </p:cNvSpPr>
+          <p:nvPr/>
+        </p:nvSpPr>
+        <p:spPr>
+          <a:xfrm>
+            <a:off x="3049142" y="2835717"/>
+            <a:ext cx="4536221" cy="1199265"/>
+          </a:xfrm>
+          <a:prstGeom prst="rect">
+            <a:avLst/>
+          </a:prstGeom>
+          <a:noFill/>
+          <a:ln>
+            <a:noFill/>
+          </a:ln>
+        </p:spPr>
+        <p:txBody>
+          <a:bodyPr spcFirstLastPara="1" wrap="square" lIns="91425" tIns="91425" rIns="91425" bIns="91425" anchor="b" anchorCtr="0">
+            <a:noAutofit/>
+          </a:bodyPr>
+          <a:lstStyle>
+            <a:defPPr marR="0" lvl="0" algn="l" rtl="0">
+              <a:lnSpc>
+                <a:spcPct val="100000"/>
+              </a:lnSpc>
+              <a:spcBef>
+                <a:spcPts val="0"/>
+              </a:spcBef>
+              <a:spcAft>
+                <a:spcPts val="0"/>
+              </a:spcAft>
+            </a:defPPr>
+            <a:lvl1pPr marR="0" lvl="0" algn="l" rtl="0">
+              <a:lnSpc>
+                <a:spcPct val="100000"/>
+              </a:lnSpc>
+              <a:spcBef>
+                <a:spcPts val="0"/>
+              </a:spcBef>
+              <a:spcAft>
+                <a:spcPts val="0"/>
+              </a:spcAft>
+              <a:buClr>
+                <a:srgbClr val="FFFFFF"/>
+              </a:buClr>
+              <a:buSzPts val="2800"/>
+              <a:buFont typeface="Montserrat"/>
+              <a:buNone/>
+              <a:defRPr sz="2800" b="1" i="0" u="none" strike="noStrike" cap="none">
+                <a:solidFill>
+                  <a:srgbClr val="FFFFFF"/>
+                </a:solidFill>
+                <a:latin typeface="Montserrat"/>
+                <a:ea typeface="Montserrat"/>
+                <a:cs typeface="Montserrat"/>
+                <a:sym typeface="Montserrat"/>
+              </a:defRPr>
+            </a:lvl1pPr>
+            <a:lvl2pPr marR="0" lvl="1" algn="l" rtl="0">
+              <a:lnSpc>
+                <a:spcPct val="100000"/>
+              </a:lnSpc>
+              <a:spcBef>
+                <a:spcPts val="0"/>
+              </a:spcBef>
+              <a:spcAft>
+                <a:spcPts val="0"/>
+              </a:spcAft>
+              <a:buClr>
+                <a:schemeClr val="dk1"/>
+              </a:buClr>
+              <a:buSzPts val="4800"/>
+              <a:buFont typeface="Arial"/>
+              <a:buNone/>
+              <a:defRPr sz="4800" b="0" i="0" u="none" strike="noStrike" cap="none">
+                <a:solidFill>
+                  <a:schemeClr val="dk1"/>
+                </a:solidFill>
+                <a:latin typeface="Arial"/>
+                <a:ea typeface="Arial"/>
+                <a:cs typeface="Arial"/>
+                <a:sym typeface="Arial"/>
+              </a:defRPr>
+            </a:lvl2pPr>
+            <a:lvl3pPr marR="0" lvl="2" algn="l" rtl="0">
+              <a:lnSpc>
+                <a:spcPct val="100000"/>
+              </a:lnSpc>
+              <a:spcBef>
+                <a:spcPts val="0"/>
+              </a:spcBef>
+              <a:spcAft>
+                <a:spcPts val="0"/>
+              </a:spcAft>
+              <a:buClr>
+                <a:schemeClr val="dk1"/>
+              </a:buClr>
+              <a:buSzPts val="4800"/>
+              <a:buFont typeface="Arial"/>
+              <a:buNone/>
+              <a:defRPr sz="4800" b="0" i="0" u="none" strike="noStrike" cap="none">
+                <a:solidFill>
+                  <a:schemeClr val="dk1"/>
+                </a:solidFill>
+                <a:latin typeface="Arial"/>
+                <a:ea typeface="Arial"/>
+                <a:cs typeface="Arial"/>
+                <a:sym typeface="Arial"/>
+              </a:defRPr>
+            </a:lvl3pPr>
+            <a:lvl4pPr marR="0" lvl="3" algn="l" rtl="0">
+              <a:lnSpc>
+                <a:spcPct val="100000"/>
+              </a:lnSpc>
+              <a:spcBef>
+                <a:spcPts val="0"/>
+              </a:spcBef>
+              <a:spcAft>
+                <a:spcPts val="0"/>
+              </a:spcAft>
+              <a:buClr>
+                <a:schemeClr val="dk1"/>
+              </a:buClr>
+              <a:buSzPts val="4800"/>
+              <a:buFont typeface="Arial"/>
+              <a:buNone/>
+              <a:defRPr sz="4800" b="0" i="0" u="none" strike="noStrike" cap="none">
+                <a:solidFill>
+                  <a:schemeClr val="dk1"/>
+                </a:solidFill>
+                <a:latin typeface="Arial"/>
+                <a:ea typeface="Arial"/>
+                <a:cs typeface="Arial"/>
+                <a:sym typeface="Arial"/>
+              </a:defRPr>
+            </a:lvl4pPr>
+            <a:lvl5pPr marR="0" lvl="4" algn="l" rtl="0">
+              <a:lnSpc>
+                <a:spcPct val="100000"/>
+              </a:lnSpc>
+              <a:spcBef>
+                <a:spcPts val="0"/>
+              </a:spcBef>
+              <a:spcAft>
+                <a:spcPts val="0"/>
+              </a:spcAft>
+              <a:buClr>
+                <a:schemeClr val="dk1"/>
+              </a:buClr>
+              <a:buSzPts val="4800"/>
+              <a:buFont typeface="Arial"/>
+              <a:buNone/>
+              <a:defRPr sz="4800" b="0" i="0" u="none" strike="noStrike" cap="none">
+                <a:solidFill>
+                  <a:schemeClr val="dk1"/>
+                </a:solidFill>
+                <a:latin typeface="Arial"/>
+                <a:ea typeface="Arial"/>
+                <a:cs typeface="Arial"/>
+                <a:sym typeface="Arial"/>
+              </a:defRPr>
+            </a:lvl5pPr>
+            <a:lvl6pPr marR="0" lvl="5" algn="l" rtl="0">
+              <a:lnSpc>
+                <a:spcPct val="100000"/>
+              </a:lnSpc>
+              <a:spcBef>
+                <a:spcPts val="0"/>
+              </a:spcBef>
+              <a:spcAft>
+                <a:spcPts val="0"/>
+              </a:spcAft>
+              <a:buClr>
+                <a:schemeClr val="dk1"/>
+              </a:buClr>
+              <a:buSzPts val="4800"/>
+              <a:buFont typeface="Arial"/>
+              <a:buNone/>
+              <a:defRPr sz="4800" b="0" i="0" u="none" strike="noStrike" cap="none">
+                <a:solidFill>
+                  <a:schemeClr val="dk1"/>
+                </a:solidFill>
+                <a:latin typeface="Arial"/>
+                <a:ea typeface="Arial"/>
+                <a:cs typeface="Arial"/>
+                <a:sym typeface="Arial"/>
+              </a:defRPr>
+            </a:lvl6pPr>
+            <a:lvl7pPr marR="0" lvl="6" algn="l" rtl="0">
+              <a:lnSpc>
+                <a:spcPct val="100000"/>
+              </a:lnSpc>
+              <a:spcBef>
+                <a:spcPts val="0"/>
+              </a:spcBef>
+              <a:spcAft>
+                <a:spcPts val="0"/>
+              </a:spcAft>
+              <a:buClr>
+                <a:schemeClr val="dk1"/>
+              </a:buClr>
+              <a:buSzPts val="4800"/>
+              <a:buFont typeface="Arial"/>
+              <a:buNone/>
+              <a:defRPr sz="4800" b="0" i="0" u="none" strike="noStrike" cap="none">
+                <a:solidFill>
+                  <a:schemeClr val="dk1"/>
+                </a:solidFill>
+                <a:latin typeface="Arial"/>
+                <a:ea typeface="Arial"/>
+                <a:cs typeface="Arial"/>
+                <a:sym typeface="Arial"/>
+              </a:defRPr>
+            </a:lvl7pPr>
+            <a:lvl8pPr marR="0" lvl="7" algn="l" rtl="0">
+              <a:lnSpc>
+                <a:spcPct val="100000"/>
+              </a:lnSpc>
+              <a:spcBef>
+                <a:spcPts val="0"/>
+              </a:spcBef>
+              <a:spcAft>
+                <a:spcPts val="0"/>
+              </a:spcAft>
+              <a:buClr>
+                <a:schemeClr val="dk1"/>
+              </a:buClr>
+              <a:buSzPts val="4800"/>
+              <a:buFont typeface="Arial"/>
+              <a:buNone/>
+              <a:defRPr sz="4800" b="0" i="0" u="none" strike="noStrike" cap="none">
+                <a:solidFill>
+                  <a:schemeClr val="dk1"/>
+                </a:solidFill>
+                <a:latin typeface="Arial"/>
+                <a:ea typeface="Arial"/>
+                <a:cs typeface="Arial"/>
+                <a:sym typeface="Arial"/>
+              </a:defRPr>
+            </a:lvl8pPr>
+            <a:lvl9pPr marR="0" lvl="8" algn="l" rtl="0">
+              <a:lnSpc>
+                <a:spcPct val="100000"/>
+              </a:lnSpc>
+              <a:spcBef>
+                <a:spcPts val="0"/>
+              </a:spcBef>
+              <a:spcAft>
+                <a:spcPts val="0"/>
+              </a:spcAft>
+              <a:buClr>
+                <a:schemeClr val="dk1"/>
+              </a:buClr>
+              <a:buSzPts val="4800"/>
+              <a:buFont typeface="Arial"/>
+              <a:buNone/>
+              <a:defRPr sz="4800" b="0" i="0" u="none" strike="noStrike" cap="none">
+                <a:solidFill>
+                  <a:schemeClr val="dk1"/>
+                </a:solidFill>
+                <a:latin typeface="Arial"/>
+                <a:ea typeface="Arial"/>
+                <a:cs typeface="Arial"/>
+                <a:sym typeface="Arial"/>
+              </a:defRPr>
+            </a:lvl9pPr>
+          </a:lstStyle>
+          <a:p>
+            <a:pPr marL="50800">
+              <a:buClr>
+                <a:schemeClr val="lt1"/>
+              </a:buClr>
+            </a:pPr>
+            <a:r>
+              <a:rPr lang="en-US" sz="2000" dirty="0" err="1"/>
+              <a:t>Thành</a:t>
+            </a:r>
+            <a:r>
+              <a:rPr lang="en-US" sz="2000" dirty="0"/>
+              <a:t> </a:t>
+            </a:r>
+            <a:r>
+              <a:rPr lang="en-US" sz="2000" dirty="0" err="1"/>
+              <a:t>viên</a:t>
+            </a:r>
+            <a:r>
+              <a:rPr lang="en-US" sz="2000" dirty="0"/>
+              <a:t>:</a:t>
+            </a:r>
+            <a:br>
+              <a:rPr lang="en-US" sz="1500" dirty="0"/>
+            </a:br>
+            <a:r>
+              <a:rPr lang="en-US" sz="1500" dirty="0"/>
+              <a:t>Lê Kim Phi - Developer</a:t>
+            </a:r>
+            <a:br>
+              <a:rPr lang="en-US" sz="1500" dirty="0"/>
+            </a:br>
+            <a:r>
+              <a:rPr lang="en-US" sz="1500" dirty="0" err="1"/>
+              <a:t>Vũ</a:t>
+            </a:r>
+            <a:r>
+              <a:rPr lang="en-US" sz="1500" dirty="0"/>
+              <a:t> </a:t>
+            </a:r>
+            <a:r>
+              <a:rPr lang="en-US" sz="1500" dirty="0" err="1"/>
+              <a:t>Thị</a:t>
+            </a:r>
+            <a:r>
+              <a:rPr lang="en-US" sz="1500" dirty="0"/>
+              <a:t> </a:t>
+            </a:r>
+            <a:r>
+              <a:rPr lang="en-US" sz="1500" dirty="0" err="1"/>
+              <a:t>Vân</a:t>
+            </a:r>
+            <a:r>
+              <a:rPr lang="en-US" sz="1500" dirty="0"/>
+              <a:t> – Tester</a:t>
+            </a:r>
+            <a:br>
+              <a:rPr lang="en-US" sz="1500" dirty="0"/>
+            </a:br>
+            <a:r>
+              <a:rPr lang="en-US" sz="1500" dirty="0" err="1"/>
+              <a:t>Nguyễn</a:t>
+            </a:r>
+            <a:r>
+              <a:rPr lang="en-US" sz="1500" dirty="0"/>
+              <a:t> </a:t>
+            </a:r>
+            <a:r>
+              <a:rPr lang="en-US" sz="1500" dirty="0" err="1"/>
+              <a:t>Xuân</a:t>
+            </a:r>
+            <a:r>
+              <a:rPr lang="en-US" sz="1500" dirty="0"/>
+              <a:t> </a:t>
+            </a:r>
+            <a:r>
+              <a:rPr lang="en-US" sz="1500" dirty="0" err="1"/>
+              <a:t>Duy</a:t>
+            </a:r>
+            <a:r>
+              <a:rPr lang="en-US" sz="1500" dirty="0"/>
+              <a:t> - Developer</a:t>
+            </a:r>
           </a:p>
         </p:txBody>
       </p:sp>
@@ -12985,7 +13364,7 @@
         </p:nvSpPr>
         <p:spPr>
           <a:xfrm>
-            <a:off x="2286000" y="128220"/>
+            <a:off x="1447800" y="122322"/>
             <a:ext cx="6437536" cy="523220"/>
           </a:xfrm>
           <a:prstGeom prst="rect">
@@ -13000,14 +13379,134 @@
           <a:lstStyle/>
           <a:p>
             <a:r>
-              <a:rPr lang="en-US" sz="2800" b="1">
+              <a:rPr lang="en-US" sz="2800" b="1" dirty="0" err="1">
                 <a:solidFill>
                   <a:srgbClr val="1C70AD"/>
                 </a:solidFill>
                 <a:latin typeface="Arial" panose="020B0604020202020204" pitchFamily="34" charset="0"/>
                 <a:cs typeface="Arial" panose="020B0604020202020204" pitchFamily="34" charset="0"/>
               </a:rPr>
-              <a:t>Tích hợp với mô hình ERP hiện tại</a:t>
+              <a:t>Tích</a:t>
+            </a:r>
+            <a:r>
+              <a:rPr lang="en-US" sz="2800" b="1" dirty="0">
+                <a:solidFill>
+                  <a:srgbClr val="1C70AD"/>
+                </a:solidFill>
+                <a:latin typeface="Arial" panose="020B0604020202020204" pitchFamily="34" charset="0"/>
+                <a:cs typeface="Arial" panose="020B0604020202020204" pitchFamily="34" charset="0"/>
+              </a:rPr>
+              <a:t> </a:t>
+            </a:r>
+            <a:r>
+              <a:rPr lang="en-US" sz="2800" b="1" dirty="0" err="1">
+                <a:solidFill>
+                  <a:srgbClr val="1C70AD"/>
+                </a:solidFill>
+                <a:latin typeface="Arial" panose="020B0604020202020204" pitchFamily="34" charset="0"/>
+                <a:cs typeface="Arial" panose="020B0604020202020204" pitchFamily="34" charset="0"/>
+              </a:rPr>
+              <a:t>hợp</a:t>
+            </a:r>
+            <a:r>
+              <a:rPr lang="en-US" sz="2800" b="1" dirty="0">
+                <a:solidFill>
+                  <a:srgbClr val="1C70AD"/>
+                </a:solidFill>
+                <a:latin typeface="Arial" panose="020B0604020202020204" pitchFamily="34" charset="0"/>
+                <a:cs typeface="Arial" panose="020B0604020202020204" pitchFamily="34" charset="0"/>
+              </a:rPr>
+              <a:t> </a:t>
+            </a:r>
+            <a:r>
+              <a:rPr lang="en-US" sz="2800" b="1" dirty="0" err="1">
+                <a:solidFill>
+                  <a:srgbClr val="1C70AD"/>
+                </a:solidFill>
+                <a:latin typeface="Arial" panose="020B0604020202020204" pitchFamily="34" charset="0"/>
+                <a:cs typeface="Arial" panose="020B0604020202020204" pitchFamily="34" charset="0"/>
+              </a:rPr>
+              <a:t>với</a:t>
+            </a:r>
+            <a:r>
+              <a:rPr lang="en-US" sz="2800" b="1" dirty="0">
+                <a:solidFill>
+                  <a:srgbClr val="1C70AD"/>
+                </a:solidFill>
+                <a:latin typeface="Arial" panose="020B0604020202020204" pitchFamily="34" charset="0"/>
+                <a:cs typeface="Arial" panose="020B0604020202020204" pitchFamily="34" charset="0"/>
+              </a:rPr>
+              <a:t> </a:t>
+            </a:r>
+            <a:r>
+              <a:rPr lang="en-US" sz="2800" b="1" dirty="0" err="1">
+                <a:solidFill>
+                  <a:srgbClr val="1C70AD"/>
+                </a:solidFill>
+                <a:latin typeface="Arial" panose="020B0604020202020204" pitchFamily="34" charset="0"/>
+                <a:cs typeface="Arial" panose="020B0604020202020204" pitchFamily="34" charset="0"/>
+              </a:rPr>
+              <a:t>mô</a:t>
+            </a:r>
+            <a:r>
+              <a:rPr lang="en-US" sz="2800" b="1" dirty="0">
+                <a:solidFill>
+                  <a:srgbClr val="1C70AD"/>
+                </a:solidFill>
+                <a:latin typeface="Arial" panose="020B0604020202020204" pitchFamily="34" charset="0"/>
+                <a:cs typeface="Arial" panose="020B0604020202020204" pitchFamily="34" charset="0"/>
+              </a:rPr>
+              <a:t> </a:t>
+            </a:r>
+            <a:r>
+              <a:rPr lang="en-US" sz="2800" b="1" dirty="0" err="1">
+                <a:solidFill>
+                  <a:srgbClr val="1C70AD"/>
+                </a:solidFill>
+                <a:latin typeface="Arial" panose="020B0604020202020204" pitchFamily="34" charset="0"/>
+                <a:cs typeface="Arial" panose="020B0604020202020204" pitchFamily="34" charset="0"/>
+              </a:rPr>
+              <a:t>hình</a:t>
+            </a:r>
+            <a:r>
+              <a:rPr lang="en-US" sz="2800" b="1" dirty="0">
+                <a:solidFill>
+                  <a:srgbClr val="1C70AD"/>
+                </a:solidFill>
+                <a:latin typeface="Arial" panose="020B0604020202020204" pitchFamily="34" charset="0"/>
+                <a:cs typeface="Arial" panose="020B0604020202020204" pitchFamily="34" charset="0"/>
+              </a:rPr>
+              <a:t> ERP </a:t>
+            </a:r>
+            <a:r>
+              <a:rPr lang="en-US" sz="2800" b="1" dirty="0" err="1">
+                <a:solidFill>
+                  <a:srgbClr val="1C70AD"/>
+                </a:solidFill>
+                <a:latin typeface="Arial" panose="020B0604020202020204" pitchFamily="34" charset="0"/>
+                <a:cs typeface="Arial" panose="020B0604020202020204" pitchFamily="34" charset="0"/>
+              </a:rPr>
+              <a:t>hiện</a:t>
+            </a:r>
+            <a:r>
+              <a:rPr lang="en-US" sz="2800" b="1" dirty="0">
+                <a:solidFill>
+                  <a:srgbClr val="1C70AD"/>
+                </a:solidFill>
+                <a:latin typeface="Arial" panose="020B0604020202020204" pitchFamily="34" charset="0"/>
+                <a:cs typeface="Arial" panose="020B0604020202020204" pitchFamily="34" charset="0"/>
+              </a:rPr>
+              <a:t> </a:t>
+            </a:r>
+            <a:r>
+              <a:rPr lang="en-US" sz="2800" b="1" dirty="0" err="1">
+                <a:solidFill>
+                  <a:srgbClr val="1C70AD"/>
+                </a:solidFill>
+                <a:latin typeface="Arial" panose="020B0604020202020204" pitchFamily="34" charset="0"/>
+                <a:cs typeface="Arial" panose="020B0604020202020204" pitchFamily="34" charset="0"/>
+              </a:rPr>
+              <a:t>tại</a:t>
             </a:r>
             <a:endParaRPr lang="en-US" sz="2800" b="1" dirty="0">
               <a:solidFill>
@@ -13092,7 +13591,7 @@
         </p:blipFill>
         <p:spPr>
           <a:xfrm>
-            <a:off x="1769776" y="651440"/>
+            <a:off x="1712626" y="657339"/>
             <a:ext cx="5604448" cy="4398467"/>
           </a:xfrm>
           <a:prstGeom prst="rect">
@@ -13205,7 +13704,7 @@
         </p:nvSpPr>
         <p:spPr>
           <a:xfrm>
-            <a:off x="2286000" y="128220"/>
+            <a:off x="1276350" y="101356"/>
             <a:ext cx="6437536" cy="523220"/>
           </a:xfrm>
           <a:prstGeom prst="rect">
@@ -13219,23 +13718,87 @@
           </a:bodyPr>
           <a:lstStyle/>
           <a:p>
+            <a:pPr algn="ctr"/>
             <a:r>
-              <a:rPr lang="en-US" sz="2800" b="1">
+              <a:rPr lang="en-US" sz="2800" b="1" dirty="0" err="1">
                 <a:solidFill>
                   <a:srgbClr val="1C70AD"/>
                 </a:solidFill>
                 <a:latin typeface="Arial" panose="020B0604020202020204" pitchFamily="34" charset="0"/>
                 <a:cs typeface="Arial" panose="020B0604020202020204" pitchFamily="34" charset="0"/>
               </a:rPr>
-              <a:t>Quản lý Công việc </a:t>
+              <a:t>Quản</a:t>
             </a:r>
-            <a:endParaRPr lang="en-US" sz="2800" b="1" dirty="0">
-              <a:solidFill>
-                <a:srgbClr val="1C70AD"/>
-              </a:solidFill>
-              <a:latin typeface="Arial" panose="020B0604020202020204" pitchFamily="34" charset="0"/>
-              <a:cs typeface="Arial" panose="020B0604020202020204" pitchFamily="34" charset="0"/>
-            </a:endParaRPr>
+            <a:r>
+              <a:rPr lang="en-US" sz="2800" b="1" dirty="0">
+                <a:solidFill>
+                  <a:srgbClr val="1C70AD"/>
+                </a:solidFill>
+                <a:latin typeface="Arial" panose="020B0604020202020204" pitchFamily="34" charset="0"/>
+                <a:cs typeface="Arial" panose="020B0604020202020204" pitchFamily="34" charset="0"/>
+              </a:rPr>
+              <a:t> </a:t>
+            </a:r>
+            <a:r>
+              <a:rPr lang="en-US" sz="2800" b="1" dirty="0" err="1">
+                <a:solidFill>
+                  <a:srgbClr val="1C70AD"/>
+                </a:solidFill>
+                <a:latin typeface="Arial" panose="020B0604020202020204" pitchFamily="34" charset="0"/>
+                <a:cs typeface="Arial" panose="020B0604020202020204" pitchFamily="34" charset="0"/>
+              </a:rPr>
+              <a:t>lý</a:t>
+            </a:r>
+            <a:r>
+              <a:rPr lang="en-US" sz="2800" b="1" dirty="0">
+                <a:solidFill>
+                  <a:srgbClr val="1C70AD"/>
+                </a:solidFill>
+                <a:latin typeface="Arial" panose="020B0604020202020204" pitchFamily="34" charset="0"/>
+                <a:cs typeface="Arial" panose="020B0604020202020204" pitchFamily="34" charset="0"/>
+              </a:rPr>
+              <a:t> </a:t>
+            </a:r>
+            <a:r>
+              <a:rPr lang="en-US" sz="2800" b="1" dirty="0" err="1">
+                <a:solidFill>
+                  <a:srgbClr val="1C70AD"/>
+                </a:solidFill>
+                <a:latin typeface="Arial" panose="020B0604020202020204" pitchFamily="34" charset="0"/>
+                <a:cs typeface="Arial" panose="020B0604020202020204" pitchFamily="34" charset="0"/>
+              </a:rPr>
+              <a:t>Công</a:t>
+            </a:r>
+            <a:r>
+              <a:rPr lang="en-US" sz="2800" b="1" dirty="0">
+                <a:solidFill>
+                  <a:srgbClr val="1C70AD"/>
+                </a:solidFill>
+                <a:latin typeface="Arial" panose="020B0604020202020204" pitchFamily="34" charset="0"/>
+                <a:cs typeface="Arial" panose="020B0604020202020204" pitchFamily="34" charset="0"/>
+              </a:rPr>
+              <a:t> </a:t>
+            </a:r>
+            <a:r>
+              <a:rPr lang="en-US" sz="2800" b="1" dirty="0" err="1">
+                <a:solidFill>
+                  <a:srgbClr val="1C70AD"/>
+                </a:solidFill>
+                <a:latin typeface="Arial" panose="020B0604020202020204" pitchFamily="34" charset="0"/>
+                <a:cs typeface="Arial" panose="020B0604020202020204" pitchFamily="34" charset="0"/>
+              </a:rPr>
+              <a:t>việc</a:t>
+            </a:r>
+            <a:r>
+              <a:rPr lang="en-US" sz="2800" b="1" dirty="0">
+                <a:solidFill>
+                  <a:srgbClr val="1C70AD"/>
+                </a:solidFill>
+                <a:latin typeface="Arial" panose="020B0604020202020204" pitchFamily="34" charset="0"/>
+                <a:cs typeface="Arial" panose="020B0604020202020204" pitchFamily="34" charset="0"/>
+              </a:rPr>
+              <a:t> </a:t>
+            </a:r>
           </a:p>
         </p:txBody>
       </p:sp>
@@ -13252,13 +13815,13 @@
           <p:nvPr>
             <p:extLst>
               <p:ext uri="{D42A27DB-BD31-4B8C-83A1-F6EECF244321}">
-                <p14:modId xmlns:p14="http://schemas.microsoft.com/office/powerpoint/2010/main" val="1379117038"/>
+                <p14:modId xmlns:p14="http://schemas.microsoft.com/office/powerpoint/2010/main" val="1349622425"/>
               </p:ext>
             </p:extLst>
           </p:nvPr>
         </p:nvGraphicFramePr>
         <p:xfrm>
-          <a:off x="955575" y="795786"/>
+          <a:off x="1276350" y="783086"/>
           <a:ext cx="6519374" cy="3979416"/>
         </p:xfrm>
         <a:graphic>
